--- a/SE2018春-G14-总结（修订）.pptx
+++ b/SE2018春-G14-总结（修订）.pptx
@@ -5524,7 +5524,7 @@
           <a:p>
             <a:fld id="{7F25A8C7-CC1A-4A08-9B4B-31F43B054C7F}" type="datetimeFigureOut">
               <a:rPr lang="zh-CN" altLang="en-US" smtClean="0"/>
-              <a:t>2018/7/4</a:t>
+              <a:t>2018/7/5</a:t>
             </a:fld>
             <a:endParaRPr lang="zh-CN" altLang="en-US"/>
           </a:p>
@@ -6157,7 +6157,7 @@
           <a:p>
             <a:fld id="{D997B5FA-0921-464F-AAE1-844C04324D75}" type="datetimeFigureOut">
               <a:rPr lang="zh-CN" altLang="en-US" smtClean="0"/>
-              <a:t>2018/7/4</a:t>
+              <a:t>2018/7/5</a:t>
             </a:fld>
             <a:endParaRPr lang="zh-CN" altLang="en-US" dirty="0"/>
           </a:p>
@@ -6247,7 +6247,7 @@
           <a:p>
             <a:fld id="{760FBDFE-C587-4B4C-A407-44438C67B59E}" type="datetimeFigureOut">
               <a:rPr lang="zh-CN" altLang="en-US" smtClean="0"/>
-              <a:t>2018/7/4</a:t>
+              <a:t>2018/7/5</a:t>
             </a:fld>
             <a:endParaRPr lang="zh-CN" altLang="en-US"/>
           </a:p>
@@ -6548,7 +6548,7 @@
           <a:p>
             <a:fld id="{760FBDFE-C587-4B4C-A407-44438C67B59E}" type="datetimeFigureOut">
               <a:rPr lang="zh-CN" altLang="en-US" smtClean="0"/>
-              <a:t>2018/7/4</a:t>
+              <a:t>2018/7/5</a:t>
             </a:fld>
             <a:endParaRPr lang="zh-CN" altLang="en-US" dirty="0"/>
           </a:p>
@@ -6638,7 +6638,7 @@
           <a:p>
             <a:fld id="{20DD7636-5BE1-44BC-BB5F-15739D9E18E1}" type="datetimeFigureOut">
               <a:rPr lang="zh-CN" altLang="en-US" smtClean="0"/>
-              <a:t>2018/7/4</a:t>
+              <a:t>2018/7/5</a:t>
             </a:fld>
             <a:endParaRPr lang="zh-CN" altLang="en-US"/>
           </a:p>
@@ -6895,7 +6895,7 @@
           <a:p>
             <a:fld id="{760FBDFE-C587-4B4C-A407-44438C67B59E}" type="datetimeFigureOut">
               <a:rPr lang="zh-CN" altLang="en-US" smtClean="0"/>
-              <a:t>2018/7/4</a:t>
+              <a:t>2018/7/5</a:t>
             </a:fld>
             <a:endParaRPr lang="zh-CN" altLang="en-US"/>
           </a:p>
@@ -7254,7 +7254,7 @@
           <a:p>
             <a:fld id="{760FBDFE-C587-4B4C-A407-44438C67B59E}" type="datetimeFigureOut">
               <a:rPr lang="zh-CN" altLang="en-US" smtClean="0"/>
-              <a:t>2018/7/4</a:t>
+              <a:t>2018/7/5</a:t>
             </a:fld>
             <a:endParaRPr lang="zh-CN" altLang="en-US"/>
           </a:p>
@@ -7381,7 +7381,7 @@
           <a:p>
             <a:fld id="{20DD7636-5BE1-44BC-BB5F-15739D9E18E1}" type="datetimeFigureOut">
               <a:rPr lang="zh-CN" altLang="en-US" smtClean="0"/>
-              <a:t>2018/7/4</a:t>
+              <a:t>2018/7/5</a:t>
             </a:fld>
             <a:endParaRPr lang="zh-CN" altLang="en-US"/>
           </a:p>
@@ -7510,7 +7510,7 @@
           <a:p>
             <a:fld id="{760FBDFE-C587-4B4C-A407-44438C67B59E}" type="datetimeFigureOut">
               <a:rPr lang="zh-CN" altLang="en-US" smtClean="0"/>
-              <a:t>2018/7/4</a:t>
+              <a:t>2018/7/5</a:t>
             </a:fld>
             <a:endParaRPr lang="zh-CN" altLang="en-US"/>
           </a:p>
@@ -7761,7 +7761,7 @@
           <a:p>
             <a:fld id="{9EFD9D74-47D9-4702-A33C-335B63B48DBF}" type="datetimeFigureOut">
               <a:rPr lang="zh-CN" altLang="en-US" smtClean="0"/>
-              <a:t>2018/7/4</a:t>
+              <a:t>2018/7/5</a:t>
             </a:fld>
             <a:endParaRPr lang="zh-CN" altLang="en-US" dirty="0"/>
           </a:p>
@@ -7940,7 +7940,7 @@
           <a:p>
             <a:fld id="{760FBDFE-C587-4B4C-A407-44438C67B59E}" type="datetimeFigureOut">
               <a:rPr lang="zh-CN" altLang="en-US" smtClean="0"/>
-              <a:t>2018/7/4</a:t>
+              <a:t>2018/7/5</a:t>
             </a:fld>
             <a:endParaRPr lang="zh-CN" altLang="en-US"/>
           </a:p>
@@ -8156,7 +8156,7 @@
           <a:p>
             <a:fld id="{D997B5FA-0921-464F-AAE1-844C04324D75}" type="datetimeFigureOut">
               <a:rPr lang="zh-CN" altLang="en-US" smtClean="0"/>
-              <a:t>2018/7/4</a:t>
+              <a:t>2018/7/5</a:t>
             </a:fld>
             <a:endParaRPr lang="zh-CN" altLang="en-US" dirty="0"/>
           </a:p>
@@ -16288,6 +16288,865 @@
           </a:p>
         </p:txBody>
       </p:sp>
+      <p:graphicFrame>
+        <p:nvGraphicFramePr>
+          <p:cNvPr id="2" name="表格 1">
+            <a:extLst>
+              <a:ext uri="{FF2B5EF4-FFF2-40B4-BE49-F238E27FC236}">
+                <a16:creationId xmlns:a16="http://schemas.microsoft.com/office/drawing/2014/main" id="{053DEF05-5348-419E-BF89-C3FCDA4A97A2}"/>
+              </a:ext>
+            </a:extLst>
+          </p:cNvPr>
+          <p:cNvGraphicFramePr>
+            <a:graphicFrameLocks noGrp="1"/>
+          </p:cNvGraphicFramePr>
+          <p:nvPr>
+            <p:extLst>
+              <p:ext uri="{D42A27DB-BD31-4B8C-83A1-F6EECF244321}">
+                <p14:modId xmlns:p14="http://schemas.microsoft.com/office/powerpoint/2010/main" val="674219287"/>
+              </p:ext>
+            </p:extLst>
+          </p:nvPr>
+        </p:nvGraphicFramePr>
+        <p:xfrm>
+          <a:off x="7827146" y="221518"/>
+          <a:ext cx="4123943" cy="2743976"/>
+        </p:xfrm>
+        <a:graphic>
+          <a:graphicData uri="http://schemas.openxmlformats.org/drawingml/2006/table">
+            <a:tbl>
+              <a:tblPr firstRow="1" firstCol="1" bandRow="1">
+                <a:tableStyleId>{5C22544A-7EE6-4342-B048-85BDC9FD1C3A}</a:tableStyleId>
+              </a:tblPr>
+              <a:tblGrid>
+                <a:gridCol w="1030834">
+                  <a:extLst>
+                    <a:ext uri="{9D8B030D-6E8A-4147-A177-3AD203B41FA5}">
+                      <a16:colId xmlns:a16="http://schemas.microsoft.com/office/drawing/2014/main" val="282879492"/>
+                    </a:ext>
+                  </a:extLst>
+                </a:gridCol>
+                <a:gridCol w="1030834">
+                  <a:extLst>
+                    <a:ext uri="{9D8B030D-6E8A-4147-A177-3AD203B41FA5}">
+                      <a16:colId xmlns:a16="http://schemas.microsoft.com/office/drawing/2014/main" val="2946257720"/>
+                    </a:ext>
+                  </a:extLst>
+                </a:gridCol>
+                <a:gridCol w="1030834">
+                  <a:extLst>
+                    <a:ext uri="{9D8B030D-6E8A-4147-A177-3AD203B41FA5}">
+                      <a16:colId xmlns:a16="http://schemas.microsoft.com/office/drawing/2014/main" val="3256060592"/>
+                    </a:ext>
+                  </a:extLst>
+                </a:gridCol>
+                <a:gridCol w="1031441">
+                  <a:extLst>
+                    <a:ext uri="{9D8B030D-6E8A-4147-A177-3AD203B41FA5}">
+                      <a16:colId xmlns:a16="http://schemas.microsoft.com/office/drawing/2014/main" val="530015563"/>
+                    </a:ext>
+                  </a:extLst>
+                </a:gridCol>
+              </a:tblGrid>
+              <a:tr h="195998">
+                <a:tc>
+                  <a:txBody>
+                    <a:bodyPr/>
+                    <a:lstStyle/>
+                    <a:p>
+                      <a:pPr algn="just">
+                        <a:spcAft>
+                          <a:spcPts val="0"/>
+                        </a:spcAft>
+                      </a:pPr>
+                      <a:r>
+                        <a:rPr lang="zh-CN" sz="1050" kern="100">
+                          <a:effectLst/>
+                        </a:rPr>
+                        <a:t>功能名称</a:t>
+                      </a:r>
+                      <a:endParaRPr lang="zh-CN" sz="1050" kern="100">
+                        <a:effectLst/>
+                        <a:latin typeface="Calibri" panose="020F0502020204030204" pitchFamily="34" charset="0"/>
+                        <a:ea typeface="宋体" panose="02010600030101010101" pitchFamily="2" charset="-122"/>
+                        <a:cs typeface="Times New Roman" panose="02020603050405020304" pitchFamily="18" charset="0"/>
+                      </a:endParaRPr>
+                    </a:p>
+                  </a:txBody>
+                  <a:tcPr marL="68580" marR="68580" marT="0" marB="0"/>
+                </a:tc>
+                <a:tc>
+                  <a:txBody>
+                    <a:bodyPr/>
+                    <a:lstStyle/>
+                    <a:p>
+                      <a:pPr algn="just">
+                        <a:spcAft>
+                          <a:spcPts val="0"/>
+                        </a:spcAft>
+                      </a:pPr>
+                      <a:r>
+                        <a:rPr lang="zh-CN" sz="1050" kern="100">
+                          <a:effectLst/>
+                        </a:rPr>
+                        <a:t>软件能力</a:t>
+                      </a:r>
+                      <a:endParaRPr lang="zh-CN" sz="1050" kern="100">
+                        <a:effectLst/>
+                        <a:latin typeface="Calibri" panose="020F0502020204030204" pitchFamily="34" charset="0"/>
+                        <a:ea typeface="宋体" panose="02010600030101010101" pitchFamily="2" charset="-122"/>
+                        <a:cs typeface="Times New Roman" panose="02020603050405020304" pitchFamily="18" charset="0"/>
+                      </a:endParaRPr>
+                    </a:p>
+                  </a:txBody>
+                  <a:tcPr marL="68580" marR="68580" marT="0" marB="0"/>
+                </a:tc>
+                <a:tc>
+                  <a:txBody>
+                    <a:bodyPr/>
+                    <a:lstStyle/>
+                    <a:p>
+                      <a:pPr algn="just">
+                        <a:spcAft>
+                          <a:spcPts val="0"/>
+                        </a:spcAft>
+                      </a:pPr>
+                      <a:r>
+                        <a:rPr lang="zh-CN" sz="1050" kern="100">
+                          <a:effectLst/>
+                        </a:rPr>
+                        <a:t>正确性</a:t>
+                      </a:r>
+                      <a:endParaRPr lang="zh-CN" sz="1050" kern="100">
+                        <a:effectLst/>
+                        <a:latin typeface="Calibri" panose="020F0502020204030204" pitchFamily="34" charset="0"/>
+                        <a:ea typeface="宋体" panose="02010600030101010101" pitchFamily="2" charset="-122"/>
+                        <a:cs typeface="Times New Roman" panose="02020603050405020304" pitchFamily="18" charset="0"/>
+                      </a:endParaRPr>
+                    </a:p>
+                  </a:txBody>
+                  <a:tcPr marL="68580" marR="68580" marT="0" marB="0"/>
+                </a:tc>
+                <a:tc>
+                  <a:txBody>
+                    <a:bodyPr/>
+                    <a:lstStyle/>
+                    <a:p>
+                      <a:pPr algn="just">
+                        <a:spcAft>
+                          <a:spcPts val="0"/>
+                        </a:spcAft>
+                      </a:pPr>
+                      <a:r>
+                        <a:rPr lang="zh-CN" sz="1050" kern="100">
+                          <a:effectLst/>
+                        </a:rPr>
+                        <a:t>可操作性</a:t>
+                      </a:r>
+                      <a:endParaRPr lang="zh-CN" sz="1050" kern="100">
+                        <a:effectLst/>
+                        <a:latin typeface="Calibri" panose="020F0502020204030204" pitchFamily="34" charset="0"/>
+                        <a:ea typeface="宋体" panose="02010600030101010101" pitchFamily="2" charset="-122"/>
+                        <a:cs typeface="Times New Roman" panose="02020603050405020304" pitchFamily="18" charset="0"/>
+                      </a:endParaRPr>
+                    </a:p>
+                  </a:txBody>
+                  <a:tcPr marL="68580" marR="68580" marT="0" marB="0"/>
+                </a:tc>
+                <a:extLst>
+                  <a:ext uri="{0D108BD9-81ED-4DB2-BD59-A6C34878D82A}">
+                    <a16:rowId xmlns:a16="http://schemas.microsoft.com/office/drawing/2014/main" val="2063035822"/>
+                  </a:ext>
+                </a:extLst>
+              </a:tr>
+              <a:tr h="195998">
+                <a:tc>
+                  <a:txBody>
+                    <a:bodyPr/>
+                    <a:lstStyle/>
+                    <a:p>
+                      <a:pPr algn="just">
+                        <a:spcAft>
+                          <a:spcPts val="0"/>
+                        </a:spcAft>
+                      </a:pPr>
+                      <a:r>
+                        <a:rPr lang="zh-CN" sz="1050" kern="100">
+                          <a:effectLst/>
+                        </a:rPr>
+                        <a:t>用户注册</a:t>
+                      </a:r>
+                      <a:endParaRPr lang="zh-CN" sz="1050" kern="100">
+                        <a:effectLst/>
+                        <a:latin typeface="Calibri" panose="020F0502020204030204" pitchFamily="34" charset="0"/>
+                        <a:ea typeface="宋体" panose="02010600030101010101" pitchFamily="2" charset="-122"/>
+                        <a:cs typeface="Times New Roman" panose="02020603050405020304" pitchFamily="18" charset="0"/>
+                      </a:endParaRPr>
+                    </a:p>
+                  </a:txBody>
+                  <a:tcPr marL="68580" marR="68580" marT="0" marB="0"/>
+                </a:tc>
+                <a:tc>
+                  <a:txBody>
+                    <a:bodyPr/>
+                    <a:lstStyle/>
+                    <a:p>
+                      <a:pPr algn="just">
+                        <a:spcAft>
+                          <a:spcPts val="0"/>
+                        </a:spcAft>
+                      </a:pPr>
+                      <a:r>
+                        <a:rPr lang="zh-CN" sz="1050" kern="100" dirty="0">
+                          <a:effectLst/>
+                        </a:rPr>
+                        <a:t>注册成功</a:t>
+                      </a:r>
+                      <a:endParaRPr lang="zh-CN" sz="1050" kern="100" dirty="0">
+                        <a:effectLst/>
+                        <a:latin typeface="Calibri" panose="020F0502020204030204" pitchFamily="34" charset="0"/>
+                        <a:ea typeface="宋体" panose="02010600030101010101" pitchFamily="2" charset="-122"/>
+                        <a:cs typeface="Times New Roman" panose="02020603050405020304" pitchFamily="18" charset="0"/>
+                      </a:endParaRPr>
+                    </a:p>
+                  </a:txBody>
+                  <a:tcPr marL="68580" marR="68580" marT="0" marB="0"/>
+                </a:tc>
+                <a:tc>
+                  <a:txBody>
+                    <a:bodyPr/>
+                    <a:lstStyle/>
+                    <a:p>
+                      <a:pPr algn="just">
+                        <a:spcAft>
+                          <a:spcPts val="0"/>
+                        </a:spcAft>
+                      </a:pPr>
+                      <a:r>
+                        <a:rPr lang="zh-CN" sz="1050" kern="100">
+                          <a:effectLst/>
+                        </a:rPr>
+                        <a:t>正确</a:t>
+                      </a:r>
+                      <a:endParaRPr lang="zh-CN" sz="1050" kern="100">
+                        <a:effectLst/>
+                        <a:latin typeface="Calibri" panose="020F0502020204030204" pitchFamily="34" charset="0"/>
+                        <a:ea typeface="宋体" panose="02010600030101010101" pitchFamily="2" charset="-122"/>
+                        <a:cs typeface="Times New Roman" panose="02020603050405020304" pitchFamily="18" charset="0"/>
+                      </a:endParaRPr>
+                    </a:p>
+                  </a:txBody>
+                  <a:tcPr marL="68580" marR="68580" marT="0" marB="0"/>
+                </a:tc>
+                <a:tc>
+                  <a:txBody>
+                    <a:bodyPr/>
+                    <a:lstStyle/>
+                    <a:p>
+                      <a:pPr algn="just">
+                        <a:spcAft>
+                          <a:spcPts val="0"/>
+                        </a:spcAft>
+                      </a:pPr>
+                      <a:r>
+                        <a:rPr lang="zh-CN" sz="1050" kern="100">
+                          <a:effectLst/>
+                        </a:rPr>
+                        <a:t>可操作</a:t>
+                      </a:r>
+                      <a:endParaRPr lang="zh-CN" sz="1050" kern="100">
+                        <a:effectLst/>
+                        <a:latin typeface="Calibri" panose="020F0502020204030204" pitchFamily="34" charset="0"/>
+                        <a:ea typeface="宋体" panose="02010600030101010101" pitchFamily="2" charset="-122"/>
+                        <a:cs typeface="Times New Roman" panose="02020603050405020304" pitchFamily="18" charset="0"/>
+                      </a:endParaRPr>
+                    </a:p>
+                  </a:txBody>
+                  <a:tcPr marL="68580" marR="68580" marT="0" marB="0"/>
+                </a:tc>
+                <a:extLst>
+                  <a:ext uri="{0D108BD9-81ED-4DB2-BD59-A6C34878D82A}">
+                    <a16:rowId xmlns:a16="http://schemas.microsoft.com/office/drawing/2014/main" val="3198333546"/>
+                  </a:ext>
+                </a:extLst>
+              </a:tr>
+              <a:tr h="195998">
+                <a:tc>
+                  <a:txBody>
+                    <a:bodyPr/>
+                    <a:lstStyle/>
+                    <a:p>
+                      <a:pPr algn="just">
+                        <a:spcAft>
+                          <a:spcPts val="0"/>
+                        </a:spcAft>
+                      </a:pPr>
+                      <a:r>
+                        <a:rPr lang="zh-CN" sz="1050" kern="100">
+                          <a:effectLst/>
+                        </a:rPr>
+                        <a:t>用户登录</a:t>
+                      </a:r>
+                      <a:endParaRPr lang="zh-CN" sz="1050" kern="100">
+                        <a:effectLst/>
+                        <a:latin typeface="Calibri" panose="020F0502020204030204" pitchFamily="34" charset="0"/>
+                        <a:ea typeface="宋体" panose="02010600030101010101" pitchFamily="2" charset="-122"/>
+                        <a:cs typeface="Times New Roman" panose="02020603050405020304" pitchFamily="18" charset="0"/>
+                      </a:endParaRPr>
+                    </a:p>
+                  </a:txBody>
+                  <a:tcPr marL="68580" marR="68580" marT="0" marB="0"/>
+                </a:tc>
+                <a:tc>
+                  <a:txBody>
+                    <a:bodyPr/>
+                    <a:lstStyle/>
+                    <a:p>
+                      <a:pPr algn="just">
+                        <a:spcAft>
+                          <a:spcPts val="0"/>
+                        </a:spcAft>
+                      </a:pPr>
+                      <a:r>
+                        <a:rPr lang="zh-CN" sz="1050" kern="100">
+                          <a:effectLst/>
+                        </a:rPr>
+                        <a:t>登陆成功</a:t>
+                      </a:r>
+                      <a:endParaRPr lang="zh-CN" sz="1050" kern="100">
+                        <a:effectLst/>
+                        <a:latin typeface="Calibri" panose="020F0502020204030204" pitchFamily="34" charset="0"/>
+                        <a:ea typeface="宋体" panose="02010600030101010101" pitchFamily="2" charset="-122"/>
+                        <a:cs typeface="Times New Roman" panose="02020603050405020304" pitchFamily="18" charset="0"/>
+                      </a:endParaRPr>
+                    </a:p>
+                  </a:txBody>
+                  <a:tcPr marL="68580" marR="68580" marT="0" marB="0"/>
+                </a:tc>
+                <a:tc>
+                  <a:txBody>
+                    <a:bodyPr/>
+                    <a:lstStyle/>
+                    <a:p>
+                      <a:pPr algn="just">
+                        <a:spcAft>
+                          <a:spcPts val="0"/>
+                        </a:spcAft>
+                      </a:pPr>
+                      <a:r>
+                        <a:rPr lang="zh-CN" sz="1050" kern="100">
+                          <a:effectLst/>
+                        </a:rPr>
+                        <a:t>正确</a:t>
+                      </a:r>
+                      <a:endParaRPr lang="zh-CN" sz="1050" kern="100">
+                        <a:effectLst/>
+                        <a:latin typeface="Calibri" panose="020F0502020204030204" pitchFamily="34" charset="0"/>
+                        <a:ea typeface="宋体" panose="02010600030101010101" pitchFamily="2" charset="-122"/>
+                        <a:cs typeface="Times New Roman" panose="02020603050405020304" pitchFamily="18" charset="0"/>
+                      </a:endParaRPr>
+                    </a:p>
+                  </a:txBody>
+                  <a:tcPr marL="68580" marR="68580" marT="0" marB="0"/>
+                </a:tc>
+                <a:tc>
+                  <a:txBody>
+                    <a:bodyPr/>
+                    <a:lstStyle/>
+                    <a:p>
+                      <a:pPr algn="just">
+                        <a:spcAft>
+                          <a:spcPts val="0"/>
+                        </a:spcAft>
+                      </a:pPr>
+                      <a:r>
+                        <a:rPr lang="zh-CN" sz="1050" kern="100">
+                          <a:effectLst/>
+                        </a:rPr>
+                        <a:t>可操作</a:t>
+                      </a:r>
+                      <a:endParaRPr lang="zh-CN" sz="1050" kern="100">
+                        <a:effectLst/>
+                        <a:latin typeface="Calibri" panose="020F0502020204030204" pitchFamily="34" charset="0"/>
+                        <a:ea typeface="宋体" panose="02010600030101010101" pitchFamily="2" charset="-122"/>
+                        <a:cs typeface="Times New Roman" panose="02020603050405020304" pitchFamily="18" charset="0"/>
+                      </a:endParaRPr>
+                    </a:p>
+                  </a:txBody>
+                  <a:tcPr marL="68580" marR="68580" marT="0" marB="0"/>
+                </a:tc>
+                <a:extLst>
+                  <a:ext uri="{0D108BD9-81ED-4DB2-BD59-A6C34878D82A}">
+                    <a16:rowId xmlns:a16="http://schemas.microsoft.com/office/drawing/2014/main" val="1306254328"/>
+                  </a:ext>
+                </a:extLst>
+              </a:tr>
+              <a:tr h="587995">
+                <a:tc>
+                  <a:txBody>
+                    <a:bodyPr/>
+                    <a:lstStyle/>
+                    <a:p>
+                      <a:pPr algn="just">
+                        <a:spcAft>
+                          <a:spcPts val="0"/>
+                        </a:spcAft>
+                      </a:pPr>
+                      <a:r>
+                        <a:rPr lang="en-US" sz="1050" kern="100">
+                          <a:effectLst/>
+                        </a:rPr>
+                        <a:t>APP</a:t>
+                      </a:r>
+                      <a:r>
+                        <a:rPr lang="zh-CN" sz="1050" kern="100">
+                          <a:effectLst/>
+                        </a:rPr>
+                        <a:t>列表获取</a:t>
+                      </a:r>
+                      <a:endParaRPr lang="zh-CN" sz="1050" kern="100">
+                        <a:effectLst/>
+                        <a:latin typeface="Calibri" panose="020F0502020204030204" pitchFamily="34" charset="0"/>
+                        <a:ea typeface="宋体" panose="02010600030101010101" pitchFamily="2" charset="-122"/>
+                        <a:cs typeface="Times New Roman" panose="02020603050405020304" pitchFamily="18" charset="0"/>
+                      </a:endParaRPr>
+                    </a:p>
+                  </a:txBody>
+                  <a:tcPr marL="68580" marR="68580" marT="0" marB="0"/>
+                </a:tc>
+                <a:tc>
+                  <a:txBody>
+                    <a:bodyPr/>
+                    <a:lstStyle/>
+                    <a:p>
+                      <a:pPr algn="just">
+                        <a:spcAft>
+                          <a:spcPts val="0"/>
+                        </a:spcAft>
+                      </a:pPr>
+                      <a:r>
+                        <a:rPr lang="zh-CN" sz="1050" kern="100">
+                          <a:effectLst/>
+                        </a:rPr>
+                        <a:t>成功获取正确的</a:t>
+                      </a:r>
+                      <a:r>
+                        <a:rPr lang="en-US" sz="1050" kern="100">
+                          <a:effectLst/>
+                        </a:rPr>
+                        <a:t>APP</a:t>
+                      </a:r>
+                      <a:r>
+                        <a:rPr lang="zh-CN" sz="1050" kern="100">
+                          <a:effectLst/>
+                        </a:rPr>
+                        <a:t>图标及其名称</a:t>
+                      </a:r>
+                      <a:endParaRPr lang="zh-CN" sz="1050" kern="100">
+                        <a:effectLst/>
+                        <a:latin typeface="Calibri" panose="020F0502020204030204" pitchFamily="34" charset="0"/>
+                        <a:ea typeface="宋体" panose="02010600030101010101" pitchFamily="2" charset="-122"/>
+                        <a:cs typeface="Times New Roman" panose="02020603050405020304" pitchFamily="18" charset="0"/>
+                      </a:endParaRPr>
+                    </a:p>
+                  </a:txBody>
+                  <a:tcPr marL="68580" marR="68580" marT="0" marB="0"/>
+                </a:tc>
+                <a:tc>
+                  <a:txBody>
+                    <a:bodyPr/>
+                    <a:lstStyle/>
+                    <a:p>
+                      <a:pPr algn="just">
+                        <a:spcAft>
+                          <a:spcPts val="0"/>
+                        </a:spcAft>
+                      </a:pPr>
+                      <a:r>
+                        <a:rPr lang="zh-CN" sz="1050" kern="100">
+                          <a:effectLst/>
+                        </a:rPr>
+                        <a:t>正确</a:t>
+                      </a:r>
+                      <a:endParaRPr lang="zh-CN" sz="1050" kern="100">
+                        <a:effectLst/>
+                        <a:latin typeface="Calibri" panose="020F0502020204030204" pitchFamily="34" charset="0"/>
+                        <a:ea typeface="宋体" panose="02010600030101010101" pitchFamily="2" charset="-122"/>
+                        <a:cs typeface="Times New Roman" panose="02020603050405020304" pitchFamily="18" charset="0"/>
+                      </a:endParaRPr>
+                    </a:p>
+                  </a:txBody>
+                  <a:tcPr marL="68580" marR="68580" marT="0" marB="0"/>
+                </a:tc>
+                <a:tc>
+                  <a:txBody>
+                    <a:bodyPr/>
+                    <a:lstStyle/>
+                    <a:p>
+                      <a:pPr algn="just">
+                        <a:spcAft>
+                          <a:spcPts val="0"/>
+                        </a:spcAft>
+                      </a:pPr>
+                      <a:r>
+                        <a:rPr lang="zh-CN" sz="1050" kern="100">
+                          <a:effectLst/>
+                        </a:rPr>
+                        <a:t>可操作</a:t>
+                      </a:r>
+                      <a:endParaRPr lang="zh-CN" sz="1050" kern="100">
+                        <a:effectLst/>
+                        <a:latin typeface="Calibri" panose="020F0502020204030204" pitchFamily="34" charset="0"/>
+                        <a:ea typeface="宋体" panose="02010600030101010101" pitchFamily="2" charset="-122"/>
+                        <a:cs typeface="Times New Roman" panose="02020603050405020304" pitchFamily="18" charset="0"/>
+                      </a:endParaRPr>
+                    </a:p>
+                  </a:txBody>
+                  <a:tcPr marL="68580" marR="68580" marT="0" marB="0"/>
+                </a:tc>
+                <a:extLst>
+                  <a:ext uri="{0D108BD9-81ED-4DB2-BD59-A6C34878D82A}">
+                    <a16:rowId xmlns:a16="http://schemas.microsoft.com/office/drawing/2014/main" val="3590414708"/>
+                  </a:ext>
+                </a:extLst>
+              </a:tr>
+              <a:tr h="587995">
+                <a:tc>
+                  <a:txBody>
+                    <a:bodyPr/>
+                    <a:lstStyle/>
+                    <a:p>
+                      <a:pPr algn="just">
+                        <a:spcAft>
+                          <a:spcPts val="0"/>
+                        </a:spcAft>
+                      </a:pPr>
+                      <a:r>
+                        <a:rPr lang="zh-CN" sz="1050" kern="100">
+                          <a:effectLst/>
+                        </a:rPr>
+                        <a:t>覆盖界面</a:t>
+                      </a:r>
+                      <a:endParaRPr lang="zh-CN" sz="1050" kern="100">
+                        <a:effectLst/>
+                        <a:latin typeface="Calibri" panose="020F0502020204030204" pitchFamily="34" charset="0"/>
+                        <a:ea typeface="宋体" panose="02010600030101010101" pitchFamily="2" charset="-122"/>
+                        <a:cs typeface="Times New Roman" panose="02020603050405020304" pitchFamily="18" charset="0"/>
+                      </a:endParaRPr>
+                    </a:p>
+                  </a:txBody>
+                  <a:tcPr marL="68580" marR="68580" marT="0" marB="0"/>
+                </a:tc>
+                <a:tc>
+                  <a:txBody>
+                    <a:bodyPr/>
+                    <a:lstStyle/>
+                    <a:p>
+                      <a:pPr algn="just">
+                        <a:spcAft>
+                          <a:spcPts val="0"/>
+                        </a:spcAft>
+                      </a:pPr>
+                      <a:r>
+                        <a:rPr lang="zh-CN" sz="1050" kern="100">
+                          <a:effectLst/>
+                        </a:rPr>
+                        <a:t>成功覆盖控制列表中的应用程序</a:t>
+                      </a:r>
+                      <a:endParaRPr lang="zh-CN" sz="1050" kern="100">
+                        <a:effectLst/>
+                        <a:latin typeface="Calibri" panose="020F0502020204030204" pitchFamily="34" charset="0"/>
+                        <a:ea typeface="宋体" panose="02010600030101010101" pitchFamily="2" charset="-122"/>
+                        <a:cs typeface="Times New Roman" panose="02020603050405020304" pitchFamily="18" charset="0"/>
+                      </a:endParaRPr>
+                    </a:p>
+                  </a:txBody>
+                  <a:tcPr marL="68580" marR="68580" marT="0" marB="0"/>
+                </a:tc>
+                <a:tc>
+                  <a:txBody>
+                    <a:bodyPr/>
+                    <a:lstStyle/>
+                    <a:p>
+                      <a:pPr algn="just">
+                        <a:spcAft>
+                          <a:spcPts val="0"/>
+                        </a:spcAft>
+                      </a:pPr>
+                      <a:r>
+                        <a:rPr lang="zh-CN" sz="1050" kern="100">
+                          <a:effectLst/>
+                        </a:rPr>
+                        <a:t>正确</a:t>
+                      </a:r>
+                      <a:endParaRPr lang="zh-CN" sz="1050" kern="100">
+                        <a:effectLst/>
+                        <a:latin typeface="Calibri" panose="020F0502020204030204" pitchFamily="34" charset="0"/>
+                        <a:ea typeface="宋体" panose="02010600030101010101" pitchFamily="2" charset="-122"/>
+                        <a:cs typeface="Times New Roman" panose="02020603050405020304" pitchFamily="18" charset="0"/>
+                      </a:endParaRPr>
+                    </a:p>
+                  </a:txBody>
+                  <a:tcPr marL="68580" marR="68580" marT="0" marB="0"/>
+                </a:tc>
+                <a:tc>
+                  <a:txBody>
+                    <a:bodyPr/>
+                    <a:lstStyle/>
+                    <a:p>
+                      <a:pPr algn="just">
+                        <a:spcAft>
+                          <a:spcPts val="0"/>
+                        </a:spcAft>
+                      </a:pPr>
+                      <a:r>
+                        <a:rPr lang="zh-CN" sz="1050" kern="100">
+                          <a:effectLst/>
+                        </a:rPr>
+                        <a:t>可操作</a:t>
+                      </a:r>
+                      <a:endParaRPr lang="zh-CN" sz="1050" kern="100">
+                        <a:effectLst/>
+                        <a:latin typeface="Calibri" panose="020F0502020204030204" pitchFamily="34" charset="0"/>
+                        <a:ea typeface="宋体" panose="02010600030101010101" pitchFamily="2" charset="-122"/>
+                        <a:cs typeface="Times New Roman" panose="02020603050405020304" pitchFamily="18" charset="0"/>
+                      </a:endParaRPr>
+                    </a:p>
+                  </a:txBody>
+                  <a:tcPr marL="68580" marR="68580" marT="0" marB="0"/>
+                </a:tc>
+                <a:extLst>
+                  <a:ext uri="{0D108BD9-81ED-4DB2-BD59-A6C34878D82A}">
+                    <a16:rowId xmlns:a16="http://schemas.microsoft.com/office/drawing/2014/main" val="1707191332"/>
+                  </a:ext>
+                </a:extLst>
+              </a:tr>
+              <a:tr h="587995">
+                <a:tc>
+                  <a:txBody>
+                    <a:bodyPr/>
+                    <a:lstStyle/>
+                    <a:p>
+                      <a:pPr algn="just">
+                        <a:spcAft>
+                          <a:spcPts val="0"/>
+                        </a:spcAft>
+                      </a:pPr>
+                      <a:r>
+                        <a:rPr lang="zh-CN" sz="1050" kern="100">
+                          <a:effectLst/>
+                        </a:rPr>
+                        <a:t>排行榜</a:t>
+                      </a:r>
+                      <a:endParaRPr lang="zh-CN" sz="1050" kern="100">
+                        <a:effectLst/>
+                        <a:latin typeface="Calibri" panose="020F0502020204030204" pitchFamily="34" charset="0"/>
+                        <a:ea typeface="宋体" panose="02010600030101010101" pitchFamily="2" charset="-122"/>
+                        <a:cs typeface="Times New Roman" panose="02020603050405020304" pitchFamily="18" charset="0"/>
+                      </a:endParaRPr>
+                    </a:p>
+                  </a:txBody>
+                  <a:tcPr marL="68580" marR="68580" marT="0" marB="0"/>
+                </a:tc>
+                <a:tc>
+                  <a:txBody>
+                    <a:bodyPr/>
+                    <a:lstStyle/>
+                    <a:p>
+                      <a:pPr algn="just">
+                        <a:spcAft>
+                          <a:spcPts val="0"/>
+                        </a:spcAft>
+                      </a:pPr>
+                      <a:r>
+                        <a:rPr lang="zh-CN" sz="1050" kern="100">
+                          <a:effectLst/>
+                        </a:rPr>
+                        <a:t>成功地体现了被控制软件的次数</a:t>
+                      </a:r>
+                      <a:endParaRPr lang="zh-CN" sz="1050" kern="100">
+                        <a:effectLst/>
+                        <a:latin typeface="Calibri" panose="020F0502020204030204" pitchFamily="34" charset="0"/>
+                        <a:ea typeface="宋体" panose="02010600030101010101" pitchFamily="2" charset="-122"/>
+                        <a:cs typeface="Times New Roman" panose="02020603050405020304" pitchFamily="18" charset="0"/>
+                      </a:endParaRPr>
+                    </a:p>
+                  </a:txBody>
+                  <a:tcPr marL="68580" marR="68580" marT="0" marB="0"/>
+                </a:tc>
+                <a:tc>
+                  <a:txBody>
+                    <a:bodyPr/>
+                    <a:lstStyle/>
+                    <a:p>
+                      <a:pPr algn="just">
+                        <a:spcAft>
+                          <a:spcPts val="0"/>
+                        </a:spcAft>
+                      </a:pPr>
+                      <a:r>
+                        <a:rPr lang="zh-CN" sz="1050" kern="100">
+                          <a:effectLst/>
+                        </a:rPr>
+                        <a:t>正确</a:t>
+                      </a:r>
+                      <a:endParaRPr lang="zh-CN" sz="1050" kern="100">
+                        <a:effectLst/>
+                        <a:latin typeface="Calibri" panose="020F0502020204030204" pitchFamily="34" charset="0"/>
+                        <a:ea typeface="宋体" panose="02010600030101010101" pitchFamily="2" charset="-122"/>
+                        <a:cs typeface="Times New Roman" panose="02020603050405020304" pitchFamily="18" charset="0"/>
+                      </a:endParaRPr>
+                    </a:p>
+                  </a:txBody>
+                  <a:tcPr marL="68580" marR="68580" marT="0" marB="0"/>
+                </a:tc>
+                <a:tc>
+                  <a:txBody>
+                    <a:bodyPr/>
+                    <a:lstStyle/>
+                    <a:p>
+                      <a:pPr algn="just">
+                        <a:spcAft>
+                          <a:spcPts val="0"/>
+                        </a:spcAft>
+                      </a:pPr>
+                      <a:r>
+                        <a:rPr lang="zh-CN" sz="1050" kern="100">
+                          <a:effectLst/>
+                        </a:rPr>
+                        <a:t>可操作</a:t>
+                      </a:r>
+                      <a:endParaRPr lang="zh-CN" sz="1050" kern="100">
+                        <a:effectLst/>
+                        <a:latin typeface="Calibri" panose="020F0502020204030204" pitchFamily="34" charset="0"/>
+                        <a:ea typeface="宋体" panose="02010600030101010101" pitchFamily="2" charset="-122"/>
+                        <a:cs typeface="Times New Roman" panose="02020603050405020304" pitchFamily="18" charset="0"/>
+                      </a:endParaRPr>
+                    </a:p>
+                  </a:txBody>
+                  <a:tcPr marL="68580" marR="68580" marT="0" marB="0"/>
+                </a:tc>
+                <a:extLst>
+                  <a:ext uri="{0D108BD9-81ED-4DB2-BD59-A6C34878D82A}">
+                    <a16:rowId xmlns:a16="http://schemas.microsoft.com/office/drawing/2014/main" val="2913732032"/>
+                  </a:ext>
+                </a:extLst>
+              </a:tr>
+              <a:tr h="391997">
+                <a:tc>
+                  <a:txBody>
+                    <a:bodyPr/>
+                    <a:lstStyle/>
+                    <a:p>
+                      <a:pPr algn="just">
+                        <a:spcAft>
+                          <a:spcPts val="0"/>
+                        </a:spcAft>
+                      </a:pPr>
+                      <a:r>
+                        <a:rPr lang="zh-CN" sz="1050" kern="100">
+                          <a:effectLst/>
+                        </a:rPr>
+                        <a:t>版本权限</a:t>
+                      </a:r>
+                      <a:endParaRPr lang="zh-CN" sz="1050" kern="100">
+                        <a:effectLst/>
+                        <a:latin typeface="Calibri" panose="020F0502020204030204" pitchFamily="34" charset="0"/>
+                        <a:ea typeface="宋体" panose="02010600030101010101" pitchFamily="2" charset="-122"/>
+                        <a:cs typeface="Times New Roman" panose="02020603050405020304" pitchFamily="18" charset="0"/>
+                      </a:endParaRPr>
+                    </a:p>
+                  </a:txBody>
+                  <a:tcPr marL="68580" marR="68580" marT="0" marB="0"/>
+                </a:tc>
+                <a:tc>
+                  <a:txBody>
+                    <a:bodyPr/>
+                    <a:lstStyle/>
+                    <a:p>
+                      <a:pPr algn="just">
+                        <a:spcAft>
+                          <a:spcPts val="0"/>
+                        </a:spcAft>
+                      </a:pPr>
+                      <a:r>
+                        <a:rPr lang="zh-CN" sz="1050" kern="100">
+                          <a:effectLst/>
+                        </a:rPr>
+                        <a:t>成功解决一键获取权限</a:t>
+                      </a:r>
+                      <a:endParaRPr lang="zh-CN" sz="1050" kern="100">
+                        <a:effectLst/>
+                        <a:latin typeface="Calibri" panose="020F0502020204030204" pitchFamily="34" charset="0"/>
+                        <a:ea typeface="宋体" panose="02010600030101010101" pitchFamily="2" charset="-122"/>
+                        <a:cs typeface="Times New Roman" panose="02020603050405020304" pitchFamily="18" charset="0"/>
+                      </a:endParaRPr>
+                    </a:p>
+                  </a:txBody>
+                  <a:tcPr marL="68580" marR="68580" marT="0" marB="0"/>
+                </a:tc>
+                <a:tc>
+                  <a:txBody>
+                    <a:bodyPr/>
+                    <a:lstStyle/>
+                    <a:p>
+                      <a:pPr algn="just">
+                        <a:spcAft>
+                          <a:spcPts val="0"/>
+                        </a:spcAft>
+                      </a:pPr>
+                      <a:r>
+                        <a:rPr lang="zh-CN" sz="1050" kern="100">
+                          <a:effectLst/>
+                        </a:rPr>
+                        <a:t>正确</a:t>
+                      </a:r>
+                      <a:endParaRPr lang="zh-CN" sz="1050" kern="100">
+                        <a:effectLst/>
+                        <a:latin typeface="Calibri" panose="020F0502020204030204" pitchFamily="34" charset="0"/>
+                        <a:ea typeface="宋体" panose="02010600030101010101" pitchFamily="2" charset="-122"/>
+                        <a:cs typeface="Times New Roman" panose="02020603050405020304" pitchFamily="18" charset="0"/>
+                      </a:endParaRPr>
+                    </a:p>
+                  </a:txBody>
+                  <a:tcPr marL="68580" marR="68580" marT="0" marB="0"/>
+                </a:tc>
+                <a:tc>
+                  <a:txBody>
+                    <a:bodyPr/>
+                    <a:lstStyle/>
+                    <a:p>
+                      <a:pPr algn="just">
+                        <a:spcAft>
+                          <a:spcPts val="0"/>
+                        </a:spcAft>
+                      </a:pPr>
+                      <a:r>
+                        <a:rPr lang="zh-CN" sz="1050" kern="100" dirty="0">
+                          <a:effectLst/>
+                        </a:rPr>
+                        <a:t>可操作</a:t>
+                      </a:r>
+                      <a:endParaRPr lang="zh-CN" sz="1050" kern="100" dirty="0">
+                        <a:effectLst/>
+                        <a:latin typeface="Calibri" panose="020F0502020204030204" pitchFamily="34" charset="0"/>
+                        <a:ea typeface="宋体" panose="02010600030101010101" pitchFamily="2" charset="-122"/>
+                        <a:cs typeface="Times New Roman" panose="02020603050405020304" pitchFamily="18" charset="0"/>
+                      </a:endParaRPr>
+                    </a:p>
+                  </a:txBody>
+                  <a:tcPr marL="68580" marR="68580" marT="0" marB="0"/>
+                </a:tc>
+                <a:extLst>
+                  <a:ext uri="{0D108BD9-81ED-4DB2-BD59-A6C34878D82A}">
+                    <a16:rowId xmlns:a16="http://schemas.microsoft.com/office/drawing/2014/main" val="1858942614"/>
+                  </a:ext>
+                </a:extLst>
+              </a:tr>
+            </a:tbl>
+          </a:graphicData>
+        </a:graphic>
+      </p:graphicFrame>
     </p:spTree>
     <p:extLst>
       <p:ext uri="{BB962C8B-B14F-4D97-AF65-F5344CB8AC3E}">
@@ -17170,6 +18029,59 @@
                                         </p:tav>
                                       </p:tavLst>
                                     </p:anim>
+                                  </p:childTnLst>
+                                </p:cTn>
+                              </p:par>
+                            </p:childTnLst>
+                          </p:cTn>
+                        </p:par>
+                      </p:childTnLst>
+                    </p:cTn>
+                  </p:par>
+                  <p:par>
+                    <p:cTn id="68" fill="hold">
+                      <p:stCondLst>
+                        <p:cond delay="indefinite"/>
+                      </p:stCondLst>
+                      <p:childTnLst>
+                        <p:par>
+                          <p:cTn id="69" fill="hold">
+                            <p:stCondLst>
+                              <p:cond delay="0"/>
+                            </p:stCondLst>
+                            <p:childTnLst>
+                              <p:par>
+                                <p:cTn id="70" presetID="10" presetClass="entr" presetSubtype="0" fill="hold" nodeType="clickEffect">
+                                  <p:stCondLst>
+                                    <p:cond delay="0"/>
+                                  </p:stCondLst>
+                                  <p:childTnLst>
+                                    <p:set>
+                                      <p:cBhvr>
+                                        <p:cTn id="71" dur="1" fill="hold">
+                                          <p:stCondLst>
+                                            <p:cond delay="0"/>
+                                          </p:stCondLst>
+                                        </p:cTn>
+                                        <p:tgtEl>
+                                          <p:spTgt spid="2"/>
+                                        </p:tgtEl>
+                                        <p:attrNameLst>
+                                          <p:attrName>style.visibility</p:attrName>
+                                        </p:attrNameLst>
+                                      </p:cBhvr>
+                                      <p:to>
+                                        <p:strVal val="visible"/>
+                                      </p:to>
+                                    </p:set>
+                                    <p:animEffect transition="in" filter="fade">
+                                      <p:cBhvr>
+                                        <p:cTn id="72" dur="500"/>
+                                        <p:tgtEl>
+                                          <p:spTgt spid="2"/>
+                                        </p:tgtEl>
+                                      </p:cBhvr>
+                                    </p:animEffect>
                                   </p:childTnLst>
                                 </p:cTn>
                               </p:par>
